--- a/Unix intermediate.pptx
+++ b/Unix intermediate.pptx
@@ -5,10 +5,10 @@
     <p:sldMasterId id="2147483694" r:id="rId1"/>
   </p:sldMasterIdLst>
   <p:notesMasterIdLst>
-    <p:notesMasterId r:id="rId27"/>
+    <p:notesMasterId r:id="rId19"/>
   </p:notesMasterIdLst>
   <p:handoutMasterIdLst>
-    <p:handoutMasterId r:id="rId28"/>
+    <p:handoutMasterId r:id="rId20"/>
   </p:handoutMasterIdLst>
   <p:sldIdLst>
     <p:sldId id="265" r:id="rId2"/>
@@ -26,38 +26,30 @@
     <p:sldId id="276" r:id="rId14"/>
     <p:sldId id="275" r:id="rId15"/>
     <p:sldId id="277" r:id="rId16"/>
-    <p:sldId id="278" r:id="rId17"/>
-    <p:sldId id="279" r:id="rId18"/>
-    <p:sldId id="280" r:id="rId19"/>
-    <p:sldId id="281" r:id="rId20"/>
-    <p:sldId id="282" r:id="rId21"/>
-    <p:sldId id="283" r:id="rId22"/>
-    <p:sldId id="284" r:id="rId23"/>
-    <p:sldId id="285" r:id="rId24"/>
-    <p:sldId id="286" r:id="rId25"/>
-    <p:sldId id="287" r:id="rId26"/>
+    <p:sldId id="286" r:id="rId17"/>
+    <p:sldId id="289" r:id="rId18"/>
   </p:sldIdLst>
   <p:sldSz cx="9144000" cy="6858000" type="screen4x3"/>
   <p:notesSz cx="6718300" cy="9867900"/>
   <p:embeddedFontLst>
     <p:embeddedFont>
-      <p:font typeface="Arial Bold" panose="020B0704020202020204" pitchFamily="34" charset="0"/>
-      <p:bold r:id="rId29"/>
-    </p:embeddedFont>
-    <p:embeddedFont>
       <p:font typeface="Effra" panose="020B0604020202020204" charset="0"/>
-      <p:regular r:id="rId30"/>
-      <p:bold r:id="rId31"/>
-      <p:italic r:id="rId32"/>
-      <p:boldItalic r:id="rId33"/>
+      <p:regular r:id="rId21"/>
+      <p:bold r:id="rId22"/>
+      <p:italic r:id="rId23"/>
+      <p:boldItalic r:id="rId24"/>
     </p:embeddedFont>
     <p:embeddedFont>
       <p:font typeface="Andale Mono" panose="020B0604020202020204" charset="0"/>
-      <p:regular r:id="rId34"/>
+      <p:regular r:id="rId25"/>
+    </p:embeddedFont>
+    <p:embeddedFont>
+      <p:font typeface="Arial Bold" panose="020B0704020202020204" pitchFamily="34" charset="0"/>
+      <p:bold r:id="rId26"/>
     </p:embeddedFont>
     <p:embeddedFont>
       <p:font typeface="Arial Black" panose="020B0A04020102020204" pitchFamily="34" charset="0"/>
-      <p:bold r:id="rId35"/>
+      <p:bold r:id="rId27"/>
     </p:embeddedFont>
   </p:embeddedFontLst>
   <p:defaultTextStyle>
@@ -8908,7 +8900,7 @@
           <p:cNvPr id="10" name="Picture Placeholder 9">
             <a:extLst>
               <a:ext uri="{FF2B5EF4-FFF2-40B4-BE49-F238E27FC236}">
-                <a16:creationId xmlns="" xmlns:a16="http://schemas.microsoft.com/office/drawing/2014/main" id="{FAEE14F6-6040-6849-8060-445569ABA6D0}"/>
+                <a16:creationId xmlns:a16="http://schemas.microsoft.com/office/drawing/2014/main" xmlns="" id="{FAEE14F6-6040-6849-8060-445569ABA6D0}"/>
               </a:ext>
             </a:extLst>
           </p:cNvPr>
@@ -9402,8 +9394,13 @@
             </a:r>
             <a:r>
               <a:rPr lang="en-GB" dirty="0"/>
-              <a:t>the file into a set of variables denoted by $n where n is the number of the column.</a:t>
-            </a:r>
+              <a:t>the file into a set of variables denoted by $n where n is the number of the column</a:t>
+            </a:r>
+            <a:r>
+              <a:rPr lang="en-GB" dirty="0" smtClean="0"/>
+              <a:t>. By default AWK uses the spaces or tabs as a field separator, but you can change this.</a:t>
+            </a:r>
+            <a:endParaRPr lang="en-GB" dirty="0"/>
           </a:p>
           <a:p>
             <a:r>
@@ -10185,7 +10182,7 @@
     </p:spTree>
     <p:extLst>
       <p:ext uri="{BB962C8B-B14F-4D97-AF65-F5344CB8AC3E}">
-        <p14:creationId xmlns:p14="http://schemas.microsoft.com/office/powerpoint/2010/main" val="1173167127"/>
+        <p14:creationId xmlns:p14="http://schemas.microsoft.com/office/powerpoint/2010/main" val="2799331780"/>
       </p:ext>
     </p:extLst>
   </p:cSld>
@@ -10238,10 +10235,9 @@
           <a:lstStyle/>
           <a:p>
             <a:r>
-              <a:rPr lang="en-GB" dirty="0" err="1" smtClean="0"/>
-              <a:t>todo</a:t>
-            </a:r>
-            <a:endParaRPr lang="en-GB" dirty="0"/>
+              <a:rPr lang="en-GB" dirty="0"/>
+              <a:t>The end!</a:t>
+            </a:r>
           </a:p>
         </p:txBody>
       </p:sp>
@@ -10265,7 +10261,50 @@
           <a:bodyPr/>
           <a:lstStyle/>
           <a:p>
-            <a:pPr marL="0" indent="0">
+            <a:r>
+              <a:rPr lang="en-GB" dirty="0"/>
+              <a:t>Happy Bashing! </a:t>
+            </a:r>
+            <a:r>
+              <a:rPr lang="en-GB" dirty="0">
+                <a:sym typeface="Wingdings" pitchFamily="2" charset="2"/>
+              </a:rPr>
+              <a:t></a:t>
+            </a:r>
+          </a:p>
+          <a:p>
+            <a:endParaRPr lang="en-GB" dirty="0">
+              <a:sym typeface="Wingdings" pitchFamily="2" charset="2"/>
+            </a:endParaRPr>
+          </a:p>
+          <a:p>
+            <a:r>
+              <a:rPr lang="en-GB" dirty="0">
+                <a:sym typeface="Wingdings" pitchFamily="2" charset="2"/>
+              </a:rPr>
+              <a:t>Please give us your feedback by following this link below:</a:t>
+            </a:r>
+          </a:p>
+          <a:p>
+            <a:pPr marL="360000" lvl="1" indent="0">
+              <a:buNone/>
+            </a:pPr>
+            <a:r>
+              <a:rPr lang="en-US" dirty="0">
+                <a:hlinkClick r:id="rId2"/>
+              </a:rPr>
+              <a:t>https://</a:t>
+            </a:r>
+            <a:r>
+              <a:rPr lang="en-US" dirty="0" smtClean="0">
+                <a:hlinkClick r:id="rId2"/>
+              </a:rPr>
+              <a:t>forms.office.com/Pages/ResponsePage.aspx?id=xDv6T_zswEiQgPXkP_kOX7ArvOm3cbpHnixhCNWKRS9UNjFCNjg2V1E1NkhSTldFUUFORFBRRzlXUy4u</a:t>
+            </a:r>
+            <a:endParaRPr lang="en-US" dirty="0" smtClean="0"/>
+          </a:p>
+          <a:p>
+            <a:pPr marL="360000" lvl="1" indent="0">
               <a:buNone/>
             </a:pPr>
             <a:endParaRPr lang="en-GB" dirty="0">
@@ -10301,233 +10340,7 @@
     </p:spTree>
     <p:extLst>
       <p:ext uri="{BB962C8B-B14F-4D97-AF65-F5344CB8AC3E}">
-        <p14:creationId xmlns:p14="http://schemas.microsoft.com/office/powerpoint/2010/main" val="3854198331"/>
-      </p:ext>
-    </p:extLst>
-  </p:cSld>
-  <p:clrMapOvr>
-    <a:masterClrMapping/>
-  </p:clrMapOvr>
-  <p:transition>
-    <p:fade/>
-  </p:transition>
-  <p:timing>
-    <p:tnLst>
-      <p:par>
-        <p:cTn id="1" dur="indefinite" restart="never" nodeType="tmRoot"/>
-      </p:par>
-    </p:tnLst>
-  </p:timing>
-</p:sld>
-</file>
-
-<file path=ppt/slides/slide18.xml><?xml version="1.0" encoding="utf-8"?>
-<p:sld xmlns:a="http://schemas.openxmlformats.org/drawingml/2006/main" xmlns:r="http://schemas.openxmlformats.org/officeDocument/2006/relationships" xmlns:p="http://schemas.openxmlformats.org/presentationml/2006/main">
-  <p:cSld>
-    <p:spTree>
-      <p:nvGrpSpPr>
-        <p:cNvPr id="1" name=""/>
-        <p:cNvGrpSpPr/>
-        <p:nvPr/>
-      </p:nvGrpSpPr>
-      <p:grpSpPr>
-        <a:xfrm>
-          <a:off x="0" y="0"/>
-          <a:ext cx="0" cy="0"/>
-          <a:chOff x="0" y="0"/>
-          <a:chExt cx="0" cy="0"/>
-        </a:xfrm>
-      </p:grpSpPr>
-      <p:sp>
-        <p:nvSpPr>
-          <p:cNvPr id="2" name="Title 1"/>
-          <p:cNvSpPr>
-            <a:spLocks noGrp="1"/>
-          </p:cNvSpPr>
-          <p:nvPr>
-            <p:ph type="title"/>
-          </p:nvPr>
-        </p:nvSpPr>
-        <p:spPr/>
-        <p:txBody>
-          <a:bodyPr/>
-          <a:lstStyle/>
-          <a:p>
-            <a:r>
-              <a:rPr lang="en-GB" dirty="0" err="1" smtClean="0"/>
-              <a:t>todo</a:t>
-            </a:r>
-            <a:endParaRPr lang="en-GB" dirty="0"/>
-          </a:p>
-        </p:txBody>
-      </p:sp>
-      <p:sp>
-        <p:nvSpPr>
-          <p:cNvPr id="3" name="Content Placeholder 2"/>
-          <p:cNvSpPr>
-            <a:spLocks noGrp="1"/>
-          </p:cNvSpPr>
-          <p:nvPr>
-            <p:ph idx="1"/>
-          </p:nvPr>
-        </p:nvSpPr>
-        <p:spPr>
-          <a:xfrm>
-            <a:off x="424800" y="2214000"/>
-            <a:ext cx="8280000" cy="3960000"/>
-          </a:xfrm>
-        </p:spPr>
-        <p:txBody>
-          <a:bodyPr/>
-          <a:lstStyle/>
-          <a:p>
-            <a:endParaRPr lang="en-GB" dirty="0">
-              <a:latin typeface="Andale Mono" panose="020B0509000000000004" pitchFamily="49" charset="0"/>
-            </a:endParaRPr>
-          </a:p>
-        </p:txBody>
-      </p:sp>
-      <p:sp>
-        <p:nvSpPr>
-          <p:cNvPr id="4" name="Slide Number Placeholder 3"/>
-          <p:cNvSpPr>
-            <a:spLocks noGrp="1"/>
-          </p:cNvSpPr>
-          <p:nvPr>
-            <p:ph type="sldNum" sz="quarter" idx="10"/>
-          </p:nvPr>
-        </p:nvSpPr>
-        <p:spPr/>
-        <p:txBody>
-          <a:bodyPr/>
-          <a:lstStyle/>
-          <a:p>
-            <a:fld id="{DCF6A46F-80AB-49F3-8C7E-9717ED945456}" type="slidenum">
-              <a:rPr lang="en-GB" altLang="en-US" smtClean="0"/>
-              <a:pPr/>
-              <a:t>18</a:t>
-            </a:fld>
-            <a:endParaRPr lang="en-GB" altLang="en-US"/>
-          </a:p>
-        </p:txBody>
-      </p:sp>
-    </p:spTree>
-    <p:extLst>
-      <p:ext uri="{BB962C8B-B14F-4D97-AF65-F5344CB8AC3E}">
-        <p14:creationId xmlns:p14="http://schemas.microsoft.com/office/powerpoint/2010/main" val="2281658960"/>
-      </p:ext>
-    </p:extLst>
-  </p:cSld>
-  <p:clrMapOvr>
-    <a:masterClrMapping/>
-  </p:clrMapOvr>
-  <p:transition>
-    <p:fade/>
-  </p:transition>
-  <p:timing>
-    <p:tnLst>
-      <p:par>
-        <p:cTn id="1" dur="indefinite" restart="never" nodeType="tmRoot"/>
-      </p:par>
-    </p:tnLst>
-  </p:timing>
-</p:sld>
-</file>
-
-<file path=ppt/slides/slide19.xml><?xml version="1.0" encoding="utf-8"?>
-<p:sld xmlns:a="http://schemas.openxmlformats.org/drawingml/2006/main" xmlns:r="http://schemas.openxmlformats.org/officeDocument/2006/relationships" xmlns:p="http://schemas.openxmlformats.org/presentationml/2006/main">
-  <p:cSld>
-    <p:spTree>
-      <p:nvGrpSpPr>
-        <p:cNvPr id="1" name=""/>
-        <p:cNvGrpSpPr/>
-        <p:nvPr/>
-      </p:nvGrpSpPr>
-      <p:grpSpPr>
-        <a:xfrm>
-          <a:off x="0" y="0"/>
-          <a:ext cx="0" cy="0"/>
-          <a:chOff x="0" y="0"/>
-          <a:chExt cx="0" cy="0"/>
-        </a:xfrm>
-      </p:grpSpPr>
-      <p:sp>
-        <p:nvSpPr>
-          <p:cNvPr id="2" name="Title 1"/>
-          <p:cNvSpPr>
-            <a:spLocks noGrp="1"/>
-          </p:cNvSpPr>
-          <p:nvPr>
-            <p:ph type="title"/>
-          </p:nvPr>
-        </p:nvSpPr>
-        <p:spPr/>
-        <p:txBody>
-          <a:bodyPr/>
-          <a:lstStyle/>
-          <a:p>
-            <a:r>
-              <a:rPr lang="en-GB" dirty="0" err="1" smtClean="0"/>
-              <a:t>todo</a:t>
-            </a:r>
-            <a:endParaRPr lang="en-GB" dirty="0"/>
-          </a:p>
-        </p:txBody>
-      </p:sp>
-      <p:sp>
-        <p:nvSpPr>
-          <p:cNvPr id="3" name="Content Placeholder 2"/>
-          <p:cNvSpPr>
-            <a:spLocks noGrp="1"/>
-          </p:cNvSpPr>
-          <p:nvPr>
-            <p:ph idx="1"/>
-          </p:nvPr>
-        </p:nvSpPr>
-        <p:spPr>
-          <a:xfrm>
-            <a:off x="424800" y="2214000"/>
-            <a:ext cx="8280000" cy="3960000"/>
-          </a:xfrm>
-        </p:spPr>
-        <p:txBody>
-          <a:bodyPr/>
-          <a:lstStyle/>
-          <a:p>
-            <a:endParaRPr lang="en-GB" dirty="0">
-              <a:latin typeface="Andale Mono" panose="020B0509000000000004" pitchFamily="49" charset="0"/>
-            </a:endParaRPr>
-          </a:p>
-        </p:txBody>
-      </p:sp>
-      <p:sp>
-        <p:nvSpPr>
-          <p:cNvPr id="4" name="Slide Number Placeholder 3"/>
-          <p:cNvSpPr>
-            <a:spLocks noGrp="1"/>
-          </p:cNvSpPr>
-          <p:nvPr>
-            <p:ph type="sldNum" sz="quarter" idx="10"/>
-          </p:nvPr>
-        </p:nvSpPr>
-        <p:spPr/>
-        <p:txBody>
-          <a:bodyPr/>
-          <a:lstStyle/>
-          <a:p>
-            <a:fld id="{DCF6A46F-80AB-49F3-8C7E-9717ED945456}" type="slidenum">
-              <a:rPr lang="en-GB" altLang="en-US" smtClean="0"/>
-              <a:pPr/>
-              <a:t>19</a:t>
-            </a:fld>
-            <a:endParaRPr lang="en-GB" altLang="en-US"/>
-          </a:p>
-        </p:txBody>
-      </p:sp>
-    </p:spTree>
-    <p:extLst>
-      <p:ext uri="{BB962C8B-B14F-4D97-AF65-F5344CB8AC3E}">
-        <p14:creationId xmlns:p14="http://schemas.microsoft.com/office/powerpoint/2010/main" val="3124205017"/>
+        <p14:creationId xmlns:p14="http://schemas.microsoft.com/office/powerpoint/2010/main" val="2891964718"/>
       </p:ext>
     </p:extLst>
   </p:cSld>
@@ -10623,9 +10436,31 @@
             <a:pPr marL="0" indent="0">
               <a:buNone/>
             </a:pPr>
-            <a:endParaRPr lang="en-GB" dirty="0"/>
-          </a:p>
-          <a:p>
+            <a:endParaRPr lang="en-GB" dirty="0" smtClean="0"/>
+          </a:p>
+          <a:p>
+            <a:pPr marL="0" indent="0">
+              <a:buNone/>
+            </a:pPr>
+            <a:r>
+              <a:rPr lang="en-GB" smtClean="0"/>
+              <a:t>Resource download:</a:t>
+            </a:r>
+          </a:p>
+          <a:p>
+            <a:pPr marL="0" indent="0">
+              <a:buNone/>
+            </a:pPr>
+            <a:r>
+              <a:rPr lang="en-GB" smtClean="0"/>
+              <a:t> </a:t>
+            </a:r>
+            <a:r>
+              <a:rPr lang="en-GB" dirty="0" smtClean="0">
+                <a:hlinkClick r:id="rId2"/>
+              </a:rPr>
+              <a:t>https://github.com/paulmheaton/Unix-Intermediate</a:t>
+            </a:r>
             <a:endParaRPr lang="en-GB" dirty="0"/>
           </a:p>
         </p:txBody>
@@ -10658,741 +10493,6 @@
     <p:extLst>
       <p:ext uri="{BB962C8B-B14F-4D97-AF65-F5344CB8AC3E}">
         <p14:creationId xmlns:p14="http://schemas.microsoft.com/office/powerpoint/2010/main" val="1493559599"/>
-      </p:ext>
-    </p:extLst>
-  </p:cSld>
-  <p:clrMapOvr>
-    <a:masterClrMapping/>
-  </p:clrMapOvr>
-  <p:transition>
-    <p:fade/>
-  </p:transition>
-  <p:timing>
-    <p:tnLst>
-      <p:par>
-        <p:cTn id="1" dur="indefinite" restart="never" nodeType="tmRoot"/>
-      </p:par>
-    </p:tnLst>
-  </p:timing>
-</p:sld>
-</file>
-
-<file path=ppt/slides/slide20.xml><?xml version="1.0" encoding="utf-8"?>
-<p:sld xmlns:a="http://schemas.openxmlformats.org/drawingml/2006/main" xmlns:r="http://schemas.openxmlformats.org/officeDocument/2006/relationships" xmlns:p="http://schemas.openxmlformats.org/presentationml/2006/main">
-  <p:cSld>
-    <p:spTree>
-      <p:nvGrpSpPr>
-        <p:cNvPr id="1" name=""/>
-        <p:cNvGrpSpPr/>
-        <p:nvPr/>
-      </p:nvGrpSpPr>
-      <p:grpSpPr>
-        <a:xfrm>
-          <a:off x="0" y="0"/>
-          <a:ext cx="0" cy="0"/>
-          <a:chOff x="0" y="0"/>
-          <a:chExt cx="0" cy="0"/>
-        </a:xfrm>
-      </p:grpSpPr>
-      <p:sp>
-        <p:nvSpPr>
-          <p:cNvPr id="2" name="Title 1"/>
-          <p:cNvSpPr>
-            <a:spLocks noGrp="1"/>
-          </p:cNvSpPr>
-          <p:nvPr>
-            <p:ph type="title"/>
-          </p:nvPr>
-        </p:nvSpPr>
-        <p:spPr/>
-        <p:txBody>
-          <a:bodyPr/>
-          <a:lstStyle/>
-          <a:p>
-            <a:r>
-              <a:rPr lang="en-GB" dirty="0" err="1" smtClean="0"/>
-              <a:t>todo</a:t>
-            </a:r>
-            <a:endParaRPr lang="en-GB" dirty="0"/>
-          </a:p>
-        </p:txBody>
-      </p:sp>
-      <p:sp>
-        <p:nvSpPr>
-          <p:cNvPr id="3" name="Content Placeholder 2"/>
-          <p:cNvSpPr>
-            <a:spLocks noGrp="1"/>
-          </p:cNvSpPr>
-          <p:nvPr>
-            <p:ph idx="1"/>
-          </p:nvPr>
-        </p:nvSpPr>
-        <p:spPr>
-          <a:xfrm>
-            <a:off x="424800" y="2214000"/>
-            <a:ext cx="8280000" cy="3960000"/>
-          </a:xfrm>
-        </p:spPr>
-        <p:txBody>
-          <a:bodyPr/>
-          <a:lstStyle/>
-          <a:p>
-            <a:endParaRPr lang="en-GB" dirty="0">
-              <a:latin typeface="Andale Mono" panose="020B0509000000000004" pitchFamily="49" charset="0"/>
-            </a:endParaRPr>
-          </a:p>
-        </p:txBody>
-      </p:sp>
-      <p:sp>
-        <p:nvSpPr>
-          <p:cNvPr id="4" name="Slide Number Placeholder 3"/>
-          <p:cNvSpPr>
-            <a:spLocks noGrp="1"/>
-          </p:cNvSpPr>
-          <p:nvPr>
-            <p:ph type="sldNum" sz="quarter" idx="10"/>
-          </p:nvPr>
-        </p:nvSpPr>
-        <p:spPr/>
-        <p:txBody>
-          <a:bodyPr/>
-          <a:lstStyle/>
-          <a:p>
-            <a:fld id="{DCF6A46F-80AB-49F3-8C7E-9717ED945456}" type="slidenum">
-              <a:rPr lang="en-GB" altLang="en-US" smtClean="0"/>
-              <a:pPr/>
-              <a:t>20</a:t>
-            </a:fld>
-            <a:endParaRPr lang="en-GB" altLang="en-US"/>
-          </a:p>
-        </p:txBody>
-      </p:sp>
-    </p:spTree>
-    <p:extLst>
-      <p:ext uri="{BB962C8B-B14F-4D97-AF65-F5344CB8AC3E}">
-        <p14:creationId xmlns:p14="http://schemas.microsoft.com/office/powerpoint/2010/main" val="1301737454"/>
-      </p:ext>
-    </p:extLst>
-  </p:cSld>
-  <p:clrMapOvr>
-    <a:masterClrMapping/>
-  </p:clrMapOvr>
-  <p:transition>
-    <p:fade/>
-  </p:transition>
-  <p:timing>
-    <p:tnLst>
-      <p:par>
-        <p:cTn id="1" dur="indefinite" restart="never" nodeType="tmRoot"/>
-      </p:par>
-    </p:tnLst>
-  </p:timing>
-</p:sld>
-</file>
-
-<file path=ppt/slides/slide21.xml><?xml version="1.0" encoding="utf-8"?>
-<p:sld xmlns:a="http://schemas.openxmlformats.org/drawingml/2006/main" xmlns:r="http://schemas.openxmlformats.org/officeDocument/2006/relationships" xmlns:p="http://schemas.openxmlformats.org/presentationml/2006/main">
-  <p:cSld>
-    <p:spTree>
-      <p:nvGrpSpPr>
-        <p:cNvPr id="1" name=""/>
-        <p:cNvGrpSpPr/>
-        <p:nvPr/>
-      </p:nvGrpSpPr>
-      <p:grpSpPr>
-        <a:xfrm>
-          <a:off x="0" y="0"/>
-          <a:ext cx="0" cy="0"/>
-          <a:chOff x="0" y="0"/>
-          <a:chExt cx="0" cy="0"/>
-        </a:xfrm>
-      </p:grpSpPr>
-      <p:sp>
-        <p:nvSpPr>
-          <p:cNvPr id="2" name="Title 1"/>
-          <p:cNvSpPr>
-            <a:spLocks noGrp="1"/>
-          </p:cNvSpPr>
-          <p:nvPr>
-            <p:ph type="title"/>
-          </p:nvPr>
-        </p:nvSpPr>
-        <p:spPr/>
-        <p:txBody>
-          <a:bodyPr/>
-          <a:lstStyle/>
-          <a:p>
-            <a:r>
-              <a:rPr lang="en-GB" dirty="0" err="1" smtClean="0"/>
-              <a:t>todo</a:t>
-            </a:r>
-            <a:endParaRPr lang="en-GB" dirty="0"/>
-          </a:p>
-        </p:txBody>
-      </p:sp>
-      <p:sp>
-        <p:nvSpPr>
-          <p:cNvPr id="3" name="Content Placeholder 2"/>
-          <p:cNvSpPr>
-            <a:spLocks noGrp="1"/>
-          </p:cNvSpPr>
-          <p:nvPr>
-            <p:ph idx="1"/>
-          </p:nvPr>
-        </p:nvSpPr>
-        <p:spPr>
-          <a:xfrm>
-            <a:off x="424800" y="2214000"/>
-            <a:ext cx="8280000" cy="3960000"/>
-          </a:xfrm>
-        </p:spPr>
-        <p:txBody>
-          <a:bodyPr/>
-          <a:lstStyle/>
-          <a:p>
-            <a:pPr marL="0" indent="0">
-              <a:buNone/>
-            </a:pPr>
-            <a:endParaRPr lang="en-GB" dirty="0">
-              <a:latin typeface="Andale Mono" panose="020B0509000000000004" pitchFamily="49" charset="0"/>
-            </a:endParaRPr>
-          </a:p>
-        </p:txBody>
-      </p:sp>
-      <p:sp>
-        <p:nvSpPr>
-          <p:cNvPr id="4" name="Slide Number Placeholder 3"/>
-          <p:cNvSpPr>
-            <a:spLocks noGrp="1"/>
-          </p:cNvSpPr>
-          <p:nvPr>
-            <p:ph type="sldNum" sz="quarter" idx="10"/>
-          </p:nvPr>
-        </p:nvSpPr>
-        <p:spPr/>
-        <p:txBody>
-          <a:bodyPr/>
-          <a:lstStyle/>
-          <a:p>
-            <a:fld id="{DCF6A46F-80AB-49F3-8C7E-9717ED945456}" type="slidenum">
-              <a:rPr lang="en-GB" altLang="en-US" smtClean="0"/>
-              <a:pPr/>
-              <a:t>21</a:t>
-            </a:fld>
-            <a:endParaRPr lang="en-GB" altLang="en-US"/>
-          </a:p>
-        </p:txBody>
-      </p:sp>
-    </p:spTree>
-    <p:extLst>
-      <p:ext uri="{BB962C8B-B14F-4D97-AF65-F5344CB8AC3E}">
-        <p14:creationId xmlns:p14="http://schemas.microsoft.com/office/powerpoint/2010/main" val="536543245"/>
-      </p:ext>
-    </p:extLst>
-  </p:cSld>
-  <p:clrMapOvr>
-    <a:masterClrMapping/>
-  </p:clrMapOvr>
-  <p:transition>
-    <p:fade/>
-  </p:transition>
-  <p:timing>
-    <p:tnLst>
-      <p:par>
-        <p:cTn id="1" dur="indefinite" restart="never" nodeType="tmRoot"/>
-      </p:par>
-    </p:tnLst>
-  </p:timing>
-</p:sld>
-</file>
-
-<file path=ppt/slides/slide22.xml><?xml version="1.0" encoding="utf-8"?>
-<p:sld xmlns:a="http://schemas.openxmlformats.org/drawingml/2006/main" xmlns:r="http://schemas.openxmlformats.org/officeDocument/2006/relationships" xmlns:p="http://schemas.openxmlformats.org/presentationml/2006/main">
-  <p:cSld>
-    <p:spTree>
-      <p:nvGrpSpPr>
-        <p:cNvPr id="1" name=""/>
-        <p:cNvGrpSpPr/>
-        <p:nvPr/>
-      </p:nvGrpSpPr>
-      <p:grpSpPr>
-        <a:xfrm>
-          <a:off x="0" y="0"/>
-          <a:ext cx="0" cy="0"/>
-          <a:chOff x="0" y="0"/>
-          <a:chExt cx="0" cy="0"/>
-        </a:xfrm>
-      </p:grpSpPr>
-      <p:sp>
-        <p:nvSpPr>
-          <p:cNvPr id="2" name="Title 1"/>
-          <p:cNvSpPr>
-            <a:spLocks noGrp="1"/>
-          </p:cNvSpPr>
-          <p:nvPr>
-            <p:ph type="title"/>
-          </p:nvPr>
-        </p:nvSpPr>
-        <p:spPr/>
-        <p:txBody>
-          <a:bodyPr/>
-          <a:lstStyle/>
-          <a:p>
-            <a:r>
-              <a:rPr lang="en-GB" dirty="0" err="1" smtClean="0"/>
-              <a:t>todo</a:t>
-            </a:r>
-            <a:endParaRPr lang="en-GB" dirty="0"/>
-          </a:p>
-        </p:txBody>
-      </p:sp>
-      <p:sp>
-        <p:nvSpPr>
-          <p:cNvPr id="3" name="Content Placeholder 2"/>
-          <p:cNvSpPr>
-            <a:spLocks noGrp="1"/>
-          </p:cNvSpPr>
-          <p:nvPr>
-            <p:ph idx="1"/>
-          </p:nvPr>
-        </p:nvSpPr>
-        <p:spPr>
-          <a:xfrm>
-            <a:off x="424800" y="2214000"/>
-            <a:ext cx="8280000" cy="3960000"/>
-          </a:xfrm>
-        </p:spPr>
-        <p:txBody>
-          <a:bodyPr/>
-          <a:lstStyle/>
-          <a:p>
-            <a:pPr marL="0" indent="0">
-              <a:buNone/>
-            </a:pPr>
-            <a:endParaRPr lang="en-GB" dirty="0">
-              <a:latin typeface="Andale Mono" panose="020B0509000000000004" pitchFamily="49" charset="0"/>
-            </a:endParaRPr>
-          </a:p>
-        </p:txBody>
-      </p:sp>
-      <p:sp>
-        <p:nvSpPr>
-          <p:cNvPr id="4" name="Slide Number Placeholder 3"/>
-          <p:cNvSpPr>
-            <a:spLocks noGrp="1"/>
-          </p:cNvSpPr>
-          <p:nvPr>
-            <p:ph type="sldNum" sz="quarter" idx="10"/>
-          </p:nvPr>
-        </p:nvSpPr>
-        <p:spPr/>
-        <p:txBody>
-          <a:bodyPr/>
-          <a:lstStyle/>
-          <a:p>
-            <a:fld id="{DCF6A46F-80AB-49F3-8C7E-9717ED945456}" type="slidenum">
-              <a:rPr lang="en-GB" altLang="en-US" smtClean="0"/>
-              <a:pPr/>
-              <a:t>22</a:t>
-            </a:fld>
-            <a:endParaRPr lang="en-GB" altLang="en-US"/>
-          </a:p>
-        </p:txBody>
-      </p:sp>
-    </p:spTree>
-    <p:extLst>
-      <p:ext uri="{BB962C8B-B14F-4D97-AF65-F5344CB8AC3E}">
-        <p14:creationId xmlns:p14="http://schemas.microsoft.com/office/powerpoint/2010/main" val="3471376847"/>
-      </p:ext>
-    </p:extLst>
-  </p:cSld>
-  <p:clrMapOvr>
-    <a:masterClrMapping/>
-  </p:clrMapOvr>
-  <p:transition>
-    <p:fade/>
-  </p:transition>
-  <p:timing>
-    <p:tnLst>
-      <p:par>
-        <p:cTn id="1" dur="indefinite" restart="never" nodeType="tmRoot"/>
-      </p:par>
-    </p:tnLst>
-  </p:timing>
-</p:sld>
-</file>
-
-<file path=ppt/slides/slide23.xml><?xml version="1.0" encoding="utf-8"?>
-<p:sld xmlns:a="http://schemas.openxmlformats.org/drawingml/2006/main" xmlns:r="http://schemas.openxmlformats.org/officeDocument/2006/relationships" xmlns:p="http://schemas.openxmlformats.org/presentationml/2006/main">
-  <p:cSld>
-    <p:spTree>
-      <p:nvGrpSpPr>
-        <p:cNvPr id="1" name=""/>
-        <p:cNvGrpSpPr/>
-        <p:nvPr/>
-      </p:nvGrpSpPr>
-      <p:grpSpPr>
-        <a:xfrm>
-          <a:off x="0" y="0"/>
-          <a:ext cx="0" cy="0"/>
-          <a:chOff x="0" y="0"/>
-          <a:chExt cx="0" cy="0"/>
-        </a:xfrm>
-      </p:grpSpPr>
-      <p:sp>
-        <p:nvSpPr>
-          <p:cNvPr id="2" name="Title 1"/>
-          <p:cNvSpPr>
-            <a:spLocks noGrp="1"/>
-          </p:cNvSpPr>
-          <p:nvPr>
-            <p:ph type="title"/>
-          </p:nvPr>
-        </p:nvSpPr>
-        <p:spPr/>
-        <p:txBody>
-          <a:bodyPr/>
-          <a:lstStyle/>
-          <a:p>
-            <a:r>
-              <a:rPr lang="en-GB" dirty="0" err="1" smtClean="0"/>
-              <a:t>todo</a:t>
-            </a:r>
-            <a:endParaRPr lang="en-GB" dirty="0"/>
-          </a:p>
-        </p:txBody>
-      </p:sp>
-      <p:sp>
-        <p:nvSpPr>
-          <p:cNvPr id="3" name="Content Placeholder 2"/>
-          <p:cNvSpPr>
-            <a:spLocks noGrp="1"/>
-          </p:cNvSpPr>
-          <p:nvPr>
-            <p:ph idx="1"/>
-          </p:nvPr>
-        </p:nvSpPr>
-        <p:spPr>
-          <a:xfrm>
-            <a:off x="424800" y="2214000"/>
-            <a:ext cx="8280000" cy="3960000"/>
-          </a:xfrm>
-        </p:spPr>
-        <p:txBody>
-          <a:bodyPr/>
-          <a:lstStyle/>
-          <a:p>
-            <a:pPr marL="0" indent="0">
-              <a:buNone/>
-            </a:pPr>
-            <a:endParaRPr lang="en-GB" dirty="0">
-              <a:latin typeface="Andale Mono" panose="020B0509000000000004" pitchFamily="49" charset="0"/>
-            </a:endParaRPr>
-          </a:p>
-        </p:txBody>
-      </p:sp>
-      <p:sp>
-        <p:nvSpPr>
-          <p:cNvPr id="4" name="Slide Number Placeholder 3"/>
-          <p:cNvSpPr>
-            <a:spLocks noGrp="1"/>
-          </p:cNvSpPr>
-          <p:nvPr>
-            <p:ph type="sldNum" sz="quarter" idx="10"/>
-          </p:nvPr>
-        </p:nvSpPr>
-        <p:spPr/>
-        <p:txBody>
-          <a:bodyPr/>
-          <a:lstStyle/>
-          <a:p>
-            <a:fld id="{DCF6A46F-80AB-49F3-8C7E-9717ED945456}" type="slidenum">
-              <a:rPr lang="en-GB" altLang="en-US" smtClean="0"/>
-              <a:pPr/>
-              <a:t>23</a:t>
-            </a:fld>
-            <a:endParaRPr lang="en-GB" altLang="en-US"/>
-          </a:p>
-        </p:txBody>
-      </p:sp>
-    </p:spTree>
-    <p:extLst>
-      <p:ext uri="{BB962C8B-B14F-4D97-AF65-F5344CB8AC3E}">
-        <p14:creationId xmlns:p14="http://schemas.microsoft.com/office/powerpoint/2010/main" val="2307201295"/>
-      </p:ext>
-    </p:extLst>
-  </p:cSld>
-  <p:clrMapOvr>
-    <a:masterClrMapping/>
-  </p:clrMapOvr>
-  <p:transition>
-    <p:fade/>
-  </p:transition>
-  <p:timing>
-    <p:tnLst>
-      <p:par>
-        <p:cTn id="1" dur="indefinite" restart="never" nodeType="tmRoot"/>
-      </p:par>
-    </p:tnLst>
-  </p:timing>
-</p:sld>
-</file>
-
-<file path=ppt/slides/slide24.xml><?xml version="1.0" encoding="utf-8"?>
-<p:sld xmlns:a="http://schemas.openxmlformats.org/drawingml/2006/main" xmlns:r="http://schemas.openxmlformats.org/officeDocument/2006/relationships" xmlns:p="http://schemas.openxmlformats.org/presentationml/2006/main">
-  <p:cSld>
-    <p:spTree>
-      <p:nvGrpSpPr>
-        <p:cNvPr id="1" name=""/>
-        <p:cNvGrpSpPr/>
-        <p:nvPr/>
-      </p:nvGrpSpPr>
-      <p:grpSpPr>
-        <a:xfrm>
-          <a:off x="0" y="0"/>
-          <a:ext cx="0" cy="0"/>
-          <a:chOff x="0" y="0"/>
-          <a:chExt cx="0" cy="0"/>
-        </a:xfrm>
-      </p:grpSpPr>
-      <p:sp>
-        <p:nvSpPr>
-          <p:cNvPr id="2" name="Title 1"/>
-          <p:cNvSpPr>
-            <a:spLocks noGrp="1"/>
-          </p:cNvSpPr>
-          <p:nvPr>
-            <p:ph type="title"/>
-          </p:nvPr>
-        </p:nvSpPr>
-        <p:spPr/>
-        <p:txBody>
-          <a:bodyPr/>
-          <a:lstStyle/>
-          <a:p>
-            <a:r>
-              <a:rPr lang="en-GB" dirty="0" err="1" smtClean="0"/>
-              <a:t>todo</a:t>
-            </a:r>
-            <a:endParaRPr lang="en-GB" dirty="0"/>
-          </a:p>
-        </p:txBody>
-      </p:sp>
-      <p:sp>
-        <p:nvSpPr>
-          <p:cNvPr id="3" name="Content Placeholder 2"/>
-          <p:cNvSpPr>
-            <a:spLocks noGrp="1"/>
-          </p:cNvSpPr>
-          <p:nvPr>
-            <p:ph idx="1"/>
-          </p:nvPr>
-        </p:nvSpPr>
-        <p:spPr>
-          <a:xfrm>
-            <a:off x="424800" y="2214000"/>
-            <a:ext cx="8280000" cy="3960000"/>
-          </a:xfrm>
-        </p:spPr>
-        <p:txBody>
-          <a:bodyPr/>
-          <a:lstStyle/>
-          <a:p>
-            <a:pPr marL="0" indent="0">
-              <a:buNone/>
-            </a:pPr>
-            <a:endParaRPr lang="en-GB" dirty="0">
-              <a:latin typeface="Andale Mono" panose="020B0509000000000004" pitchFamily="49" charset="0"/>
-            </a:endParaRPr>
-          </a:p>
-        </p:txBody>
-      </p:sp>
-      <p:sp>
-        <p:nvSpPr>
-          <p:cNvPr id="4" name="Slide Number Placeholder 3"/>
-          <p:cNvSpPr>
-            <a:spLocks noGrp="1"/>
-          </p:cNvSpPr>
-          <p:nvPr>
-            <p:ph type="sldNum" sz="quarter" idx="10"/>
-          </p:nvPr>
-        </p:nvSpPr>
-        <p:spPr/>
-        <p:txBody>
-          <a:bodyPr/>
-          <a:lstStyle/>
-          <a:p>
-            <a:fld id="{DCF6A46F-80AB-49F3-8C7E-9717ED945456}" type="slidenum">
-              <a:rPr lang="en-GB" altLang="en-US" smtClean="0"/>
-              <a:pPr/>
-              <a:t>24</a:t>
-            </a:fld>
-            <a:endParaRPr lang="en-GB" altLang="en-US"/>
-          </a:p>
-        </p:txBody>
-      </p:sp>
-    </p:spTree>
-    <p:extLst>
-      <p:ext uri="{BB962C8B-B14F-4D97-AF65-F5344CB8AC3E}">
-        <p14:creationId xmlns:p14="http://schemas.microsoft.com/office/powerpoint/2010/main" val="2799331780"/>
-      </p:ext>
-    </p:extLst>
-  </p:cSld>
-  <p:clrMapOvr>
-    <a:masterClrMapping/>
-  </p:clrMapOvr>
-  <p:transition>
-    <p:fade/>
-  </p:transition>
-  <p:timing>
-    <p:tnLst>
-      <p:par>
-        <p:cTn id="1" dur="indefinite" restart="never" nodeType="tmRoot"/>
-      </p:par>
-    </p:tnLst>
-  </p:timing>
-</p:sld>
-</file>
-
-<file path=ppt/slides/slide25.xml><?xml version="1.0" encoding="utf-8"?>
-<p:sld xmlns:a="http://schemas.openxmlformats.org/drawingml/2006/main" xmlns:r="http://schemas.openxmlformats.org/officeDocument/2006/relationships" xmlns:p="http://schemas.openxmlformats.org/presentationml/2006/main">
-  <p:cSld>
-    <p:spTree>
-      <p:nvGrpSpPr>
-        <p:cNvPr id="1" name=""/>
-        <p:cNvGrpSpPr/>
-        <p:nvPr/>
-      </p:nvGrpSpPr>
-      <p:grpSpPr>
-        <a:xfrm>
-          <a:off x="0" y="0"/>
-          <a:ext cx="0" cy="0"/>
-          <a:chOff x="0" y="0"/>
-          <a:chExt cx="0" cy="0"/>
-        </a:xfrm>
-      </p:grpSpPr>
-      <p:sp>
-        <p:nvSpPr>
-          <p:cNvPr id="2" name="Title 1"/>
-          <p:cNvSpPr>
-            <a:spLocks noGrp="1"/>
-          </p:cNvSpPr>
-          <p:nvPr>
-            <p:ph type="title"/>
-          </p:nvPr>
-        </p:nvSpPr>
-        <p:spPr/>
-        <p:txBody>
-          <a:bodyPr/>
-          <a:lstStyle/>
-          <a:p>
-            <a:r>
-              <a:rPr lang="en-GB" dirty="0"/>
-              <a:t>The end!</a:t>
-            </a:r>
-          </a:p>
-        </p:txBody>
-      </p:sp>
-      <p:sp>
-        <p:nvSpPr>
-          <p:cNvPr id="3" name="Content Placeholder 2"/>
-          <p:cNvSpPr>
-            <a:spLocks noGrp="1"/>
-          </p:cNvSpPr>
-          <p:nvPr>
-            <p:ph idx="1"/>
-          </p:nvPr>
-        </p:nvSpPr>
-        <p:spPr>
-          <a:xfrm>
-            <a:off x="424800" y="2214000"/>
-            <a:ext cx="8280000" cy="3960000"/>
-          </a:xfrm>
-        </p:spPr>
-        <p:txBody>
-          <a:bodyPr/>
-          <a:lstStyle/>
-          <a:p>
-            <a:r>
-              <a:rPr lang="en-GB" dirty="0"/>
-              <a:t>Happy Bashing! </a:t>
-            </a:r>
-            <a:r>
-              <a:rPr lang="en-GB" dirty="0">
-                <a:sym typeface="Wingdings" pitchFamily="2" charset="2"/>
-              </a:rPr>
-              <a:t></a:t>
-            </a:r>
-          </a:p>
-          <a:p>
-            <a:endParaRPr lang="en-GB" dirty="0">
-              <a:sym typeface="Wingdings" pitchFamily="2" charset="2"/>
-            </a:endParaRPr>
-          </a:p>
-          <a:p>
-            <a:r>
-              <a:rPr lang="en-GB" dirty="0">
-                <a:sym typeface="Wingdings" pitchFamily="2" charset="2"/>
-              </a:rPr>
-              <a:t>Please give us your feedback by following this link below:</a:t>
-            </a:r>
-          </a:p>
-          <a:p>
-            <a:pPr marL="360000" lvl="1" indent="0">
-              <a:buNone/>
-            </a:pPr>
-            <a:r>
-              <a:rPr lang="en-US">
-                <a:hlinkClick r:id="rId2" tooltip="https://forms.office.com/Pages/ResponsePage.aspx?id=xDv6T_zswEiQgPXkP_kOX7ArvOm3cbpHnixhCNWKRS9URTAwUlRRNFZCUE4yVlJXNVZHRENQR1JTMC4u"/>
-              </a:rPr>
-              <a:t>https</a:t>
-            </a:r>
-            <a:r>
-              <a:rPr lang="en-US" smtClean="0">
-                <a:hlinkClick r:id="rId2" tooltip="https://forms.office.com/Pages/ResponsePage.aspx?id=xDv6T_zswEiQgPXkP_kOX7ArvOm3cbpHnixhCNWKRS9URTAwUlRRNFZCUE4yVlJXNVZHRENQR1JTMC4u"/>
-              </a:rPr>
-              <a:t>://</a:t>
-            </a:r>
-            <a:endParaRPr lang="en-GB" dirty="0"/>
-          </a:p>
-          <a:p>
-            <a:pPr marL="0" indent="0">
-              <a:buNone/>
-            </a:pPr>
-            <a:endParaRPr lang="en-GB" dirty="0">
-              <a:latin typeface="Andale Mono" panose="020B0509000000000004" pitchFamily="49" charset="0"/>
-            </a:endParaRPr>
-          </a:p>
-        </p:txBody>
-      </p:sp>
-      <p:sp>
-        <p:nvSpPr>
-          <p:cNvPr id="4" name="Slide Number Placeholder 3"/>
-          <p:cNvSpPr>
-            <a:spLocks noGrp="1"/>
-          </p:cNvSpPr>
-          <p:nvPr>
-            <p:ph type="sldNum" sz="quarter" idx="10"/>
-          </p:nvPr>
-        </p:nvSpPr>
-        <p:spPr/>
-        <p:txBody>
-          <a:bodyPr/>
-          <a:lstStyle/>
-          <a:p>
-            <a:fld id="{DCF6A46F-80AB-49F3-8C7E-9717ED945456}" type="slidenum">
-              <a:rPr lang="en-GB" altLang="en-US" smtClean="0"/>
-              <a:pPr/>
-              <a:t>25</a:t>
-            </a:fld>
-            <a:endParaRPr lang="en-GB" altLang="en-US"/>
-          </a:p>
-        </p:txBody>
-      </p:sp>
-    </p:spTree>
-    <p:extLst>
-      <p:ext uri="{BB962C8B-B14F-4D97-AF65-F5344CB8AC3E}">
-        <p14:creationId xmlns:p14="http://schemas.microsoft.com/office/powerpoint/2010/main" val="2419608128"/>
       </p:ext>
     </p:extLst>
   </p:cSld>
@@ -12537,9 +11637,13 @@
               <a:rPr lang="en-GB" dirty="0" smtClean="0"/>
               <a:t>.</a:t>
             </a:r>
-            <a:endParaRPr lang="en-US" dirty="0">
-              <a:latin typeface="Andale Mono" panose="020B0509000000000004" pitchFamily="49" charset="0"/>
-            </a:endParaRPr>
+          </a:p>
+          <a:p>
+            <a:r>
+              <a:rPr lang="en-GB" dirty="0"/>
+              <a:t>Notice the dot after the find command: this means search from the directory that you are in, otherwise you can put the path you want to search from here.</a:t>
+            </a:r>
+            <a:endParaRPr lang="en-US" dirty="0"/>
           </a:p>
           <a:p>
             <a:endParaRPr lang="en-GB" dirty="0"/>
